--- a/Font-substitution/Alternate-font-from-installed/.NET/Alternate-font-from-installed/Data/Template.pptx
+++ b/Font-substitution/Alternate-font-from-installed/.NET/Alternate-font-from-installed/Data/Template.pptx
@@ -6,8 +6,7 @@
   </p:sldMasterIdLst>
   <p:sldIdLst>
     <p:sldId id="256" r:id="rId2"/>
-    <p:sldId id="257" r:id="rId3"/>
-    <p:sldId id="261" r:id="rId4"/>
+    <p:sldId id="261" r:id="rId3"/>
   </p:sldIdLst>
   <p:sldSz cx="12192000" cy="6858000"/>
   <p:notesSz cx="6858000" cy="9144000"/>
@@ -324,193 +323,6 @@
 
 <file path=ppt/slideLayouts/slideLayout10.xml><?xml version="1.0" encoding="utf-8"?>
 <p:sldLayout xmlns:a="http://schemas.openxmlformats.org/drawingml/2006/main" xmlns:r="http://schemas.openxmlformats.org/officeDocument/2006/relationships" xmlns:p="http://schemas.openxmlformats.org/presentationml/2006/main">
-  <p:cSld name="Title and Vertical Text">
-    <p:spTree>
-      <p:nvGrpSpPr>
-        <p:cNvPr id="1" name=""/>
-        <p:cNvGrpSpPr/>
-        <p:nvPr/>
-      </p:nvGrpSpPr>
-      <p:grpSpPr>
-        <a:xfrm>
-          <a:off x="0" y="0"/>
-          <a:ext cx="0" cy="0"/>
-          <a:chOff x="0" y="0"/>
-          <a:chExt cx="0" cy="0"/>
-        </a:xfrm>
-      </p:grpSpPr>
-      <p:sp>
-        <p:nvSpPr>
-          <p:cNvPr id="2" name="Title 1"/>
-          <p:cNvSpPr>
-            <a:spLocks noGrp="1"/>
-          </p:cNvSpPr>
-          <p:nvPr>
-            <p:ph type="title"/>
-          </p:nvPr>
-        </p:nvSpPr>
-        <p:spPr bwMode="white">
-          <a:ln>
-            <a:headEnd type="none"/>
-            <a:tailEnd type="none"/>
-          </a:ln>
-        </p:spPr>
-        <p:txBody>
-          <a:bodyPr wrap="square"/>
-          <a:lstStyle/>
-          <a:p>
-            <a:r>
-              <a:rPr lang="en-US" dirty="0"/>
-              <a:t>Click to edit Master title style</a:t>
-            </a:r>
-          </a:p>
-        </p:txBody>
-      </p:sp>
-      <p:sp>
-        <p:nvSpPr>
-          <p:cNvPr id="3" name="Vertical Text Placeholder 2"/>
-          <p:cNvSpPr>
-            <a:spLocks noGrp="1"/>
-          </p:cNvSpPr>
-          <p:nvPr>
-            <p:ph type="body" orient="vert" idx="1"/>
-          </p:nvPr>
-        </p:nvSpPr>
-        <p:spPr bwMode="white">
-          <a:ln>
-            <a:headEnd type="none"/>
-            <a:tailEnd type="none"/>
-          </a:ln>
-        </p:spPr>
-        <p:txBody>
-          <a:bodyPr vert="eaVert" wrap="square"/>
-          <a:lstStyle/>
-          <a:p>
-            <a:r>
-              <a:rPr lang="en-US" dirty="0"/>
-              <a:t>Edit Master text styles</a:t>
-            </a:r>
-          </a:p>
-          <a:p>
-            <a:pPr lvl="1"/>
-            <a:r>
-              <a:rPr lang="en-US" dirty="0"/>
-              <a:t>Second level</a:t>
-            </a:r>
-          </a:p>
-          <a:p>
-            <a:pPr lvl="2"/>
-            <a:r>
-              <a:rPr lang="en-US" dirty="0"/>
-              <a:t>Third level</a:t>
-            </a:r>
-          </a:p>
-          <a:p>
-            <a:pPr lvl="3"/>
-            <a:r>
-              <a:rPr lang="en-US" dirty="0"/>
-              <a:t>Fourth level</a:t>
-            </a:r>
-          </a:p>
-          <a:p>
-            <a:pPr lvl="4"/>
-            <a:r>
-              <a:rPr lang="en-US" dirty="0"/>
-              <a:t>Fifth level</a:t>
-            </a:r>
-          </a:p>
-        </p:txBody>
-      </p:sp>
-      <p:sp>
-        <p:nvSpPr>
-          <p:cNvPr id="4" name="Date Placeholder 3"/>
-          <p:cNvSpPr>
-            <a:spLocks noGrp="1"/>
-          </p:cNvSpPr>
-          <p:nvPr>
-            <p:ph type="dt" sz="half" idx="10"/>
-          </p:nvPr>
-        </p:nvSpPr>
-        <p:spPr bwMode="white">
-          <a:ln>
-            <a:headEnd type="none"/>
-            <a:tailEnd type="none"/>
-          </a:ln>
-        </p:spPr>
-        <p:txBody>
-          <a:bodyPr wrap="square"/>
-          <a:lstStyle/>
-          <a:p>
-            <a:fld id="{5455A7CF-DB6C-4325-93B5-8C3F06D80356}" type="datetimeFigureOut">
-              <a:rPr lang="en-US" dirty="0"/>
-              <a:t>12/4/2024</a:t>
-            </a:fld>
-            <a:endParaRPr lang="en-US" dirty="0"/>
-          </a:p>
-        </p:txBody>
-      </p:sp>
-      <p:sp>
-        <p:nvSpPr>
-          <p:cNvPr id="5" name="Footer Placeholder 4"/>
-          <p:cNvSpPr>
-            <a:spLocks noGrp="1"/>
-          </p:cNvSpPr>
-          <p:nvPr>
-            <p:ph type="ftr" sz="quarter" idx="11"/>
-          </p:nvPr>
-        </p:nvSpPr>
-        <p:spPr bwMode="white">
-          <a:ln>
-            <a:headEnd type="none"/>
-            <a:tailEnd type="none"/>
-          </a:ln>
-        </p:spPr>
-        <p:txBody>
-          <a:bodyPr wrap="square"/>
-          <a:lstStyle/>
-          <a:p>
-            <a:endParaRPr lang="en-US" dirty="0"/>
-          </a:p>
-        </p:txBody>
-      </p:sp>
-      <p:sp>
-        <p:nvSpPr>
-          <p:cNvPr id="6" name="Slide Number Placeholder 5"/>
-          <p:cNvSpPr>
-            <a:spLocks noGrp="1"/>
-          </p:cNvSpPr>
-          <p:nvPr>
-            <p:ph type="sldNum" sz="quarter" idx="12"/>
-          </p:nvPr>
-        </p:nvSpPr>
-        <p:spPr bwMode="white">
-          <a:ln>
-            <a:headEnd type="none"/>
-            <a:tailEnd type="none"/>
-          </a:ln>
-        </p:spPr>
-        <p:txBody>
-          <a:bodyPr wrap="square"/>
-          <a:lstStyle/>
-          <a:p>
-            <a:fld id="{24E76E65-7777-4C32-B153-6028045D6BD3}" type="slidenum">
-              <a:rPr lang="en-US" dirty="0"/>
-              <a:t>‹#›</a:t>
-            </a:fld>
-            <a:endParaRPr lang="en-US" dirty="0"/>
-          </a:p>
-        </p:txBody>
-      </p:sp>
-    </p:spTree>
-  </p:cSld>
-  <p:clrMapOvr>
-    <a:masterClrMapping/>
-  </p:clrMapOvr>
-</p:sldLayout>
-</file>
-
-<file path=ppt/slideLayouts/slideLayout11.xml><?xml version="1.0" encoding="utf-8"?>
-<p:sldLayout xmlns:a="http://schemas.openxmlformats.org/drawingml/2006/main" xmlns:r="http://schemas.openxmlformats.org/officeDocument/2006/relationships" xmlns:p="http://schemas.openxmlformats.org/presentationml/2006/main">
   <p:cSld name="Vertical Title and Text">
     <p:spTree>
       <p:nvGrpSpPr>
@@ -893,268 +705,6 @@
 
 <file path=ppt/slideLayouts/slideLayout3.xml><?xml version="1.0" encoding="utf-8"?>
 <p:sldLayout xmlns:a="http://schemas.openxmlformats.org/drawingml/2006/main" xmlns:r="http://schemas.openxmlformats.org/officeDocument/2006/relationships" xmlns:p="http://schemas.openxmlformats.org/presentationml/2006/main">
-  <p:cSld name="Section Header">
-    <p:spTree>
-      <p:nvGrpSpPr>
-        <p:cNvPr id="1" name=""/>
-        <p:cNvGrpSpPr/>
-        <p:nvPr/>
-      </p:nvGrpSpPr>
-      <p:grpSpPr>
-        <a:xfrm>
-          <a:off x="0" y="0"/>
-          <a:ext cx="0" cy="0"/>
-          <a:chOff x="0" y="0"/>
-          <a:chExt cx="0" cy="0"/>
-        </a:xfrm>
-      </p:grpSpPr>
-      <p:sp>
-        <p:nvSpPr>
-          <p:cNvPr id="2" name="Title 1"/>
-          <p:cNvSpPr>
-            <a:spLocks noGrp="1"/>
-          </p:cNvSpPr>
-          <p:nvPr>
-            <p:ph type="title"/>
-          </p:nvPr>
-        </p:nvSpPr>
-        <p:spPr bwMode="white">
-          <a:xfrm>
-            <a:off x="831850" y="1709738"/>
-            <a:ext cx="10515600" cy="2852737"/>
-          </a:xfrm>
-          <a:ln>
-            <a:headEnd type="none"/>
-            <a:tailEnd type="none"/>
-          </a:ln>
-        </p:spPr>
-        <p:txBody>
-          <a:bodyPr wrap="square" anchor="b"/>
-          <a:lstStyle>
-            <a:lvl1pPr>
-              <a:defRPr sz="6000" dirty="0"/>
-            </a:lvl1pPr>
-          </a:lstStyle>
-          <a:p>
-            <a:r>
-              <a:rPr lang="en-US" dirty="0"/>
-              <a:t>Click to edit Master title style</a:t>
-            </a:r>
-          </a:p>
-        </p:txBody>
-      </p:sp>
-      <p:sp>
-        <p:nvSpPr>
-          <p:cNvPr id="3" name="Text Placeholder 2"/>
-          <p:cNvSpPr>
-            <a:spLocks noGrp="1"/>
-          </p:cNvSpPr>
-          <p:nvPr>
-            <p:ph type="body" idx="1"/>
-          </p:nvPr>
-        </p:nvSpPr>
-        <p:spPr bwMode="white">
-          <a:xfrm>
-            <a:off x="831850" y="4589463"/>
-            <a:ext cx="10515600" cy="1500187"/>
-          </a:xfrm>
-          <a:ln>
-            <a:headEnd type="none"/>
-            <a:tailEnd type="none"/>
-          </a:ln>
-        </p:spPr>
-        <p:txBody>
-          <a:bodyPr wrap="square"/>
-          <a:lstStyle>
-            <a:lvl1pPr marL="0" indent="0">
-              <a:buNone/>
-              <a:defRPr sz="2400" dirty="0">
-                <a:solidFill>
-                  <a:schemeClr val="tx1">
-                    <a:tint val="75000"/>
-                  </a:schemeClr>
-                </a:solidFill>
-              </a:defRPr>
-            </a:lvl1pPr>
-            <a:lvl2pPr marL="457200" indent="0">
-              <a:buNone/>
-              <a:defRPr sz="2000" dirty="0">
-                <a:solidFill>
-                  <a:schemeClr val="tx1">
-                    <a:tint val="75000"/>
-                  </a:schemeClr>
-                </a:solidFill>
-              </a:defRPr>
-            </a:lvl2pPr>
-            <a:lvl3pPr marL="914400" indent="0">
-              <a:buNone/>
-              <a:defRPr sz="1800" dirty="0">
-                <a:solidFill>
-                  <a:schemeClr val="tx1">
-                    <a:tint val="75000"/>
-                  </a:schemeClr>
-                </a:solidFill>
-              </a:defRPr>
-            </a:lvl3pPr>
-            <a:lvl4pPr marL="1371600" indent="0">
-              <a:buNone/>
-              <a:defRPr sz="1600" dirty="0">
-                <a:solidFill>
-                  <a:schemeClr val="tx1">
-                    <a:tint val="75000"/>
-                  </a:schemeClr>
-                </a:solidFill>
-              </a:defRPr>
-            </a:lvl4pPr>
-            <a:lvl5pPr marL="1828800" indent="0">
-              <a:buNone/>
-              <a:defRPr sz="1600" dirty="0">
-                <a:solidFill>
-                  <a:schemeClr val="tx1">
-                    <a:tint val="75000"/>
-                  </a:schemeClr>
-                </a:solidFill>
-              </a:defRPr>
-            </a:lvl5pPr>
-            <a:lvl6pPr marL="2286000" indent="0">
-              <a:buNone/>
-              <a:defRPr sz="1600" dirty="0">
-                <a:solidFill>
-                  <a:schemeClr val="tx1">
-                    <a:tint val="75000"/>
-                  </a:schemeClr>
-                </a:solidFill>
-              </a:defRPr>
-            </a:lvl6pPr>
-            <a:lvl7pPr marL="2743200" indent="0">
-              <a:buNone/>
-              <a:defRPr sz="1600" dirty="0">
-                <a:solidFill>
-                  <a:schemeClr val="tx1">
-                    <a:tint val="75000"/>
-                  </a:schemeClr>
-                </a:solidFill>
-              </a:defRPr>
-            </a:lvl7pPr>
-            <a:lvl8pPr marL="3200400" indent="0">
-              <a:buNone/>
-              <a:defRPr sz="1600" dirty="0">
-                <a:solidFill>
-                  <a:schemeClr val="tx1">
-                    <a:tint val="75000"/>
-                  </a:schemeClr>
-                </a:solidFill>
-              </a:defRPr>
-            </a:lvl8pPr>
-            <a:lvl9pPr marL="3657600" indent="0">
-              <a:buNone/>
-              <a:defRPr sz="1600" dirty="0">
-                <a:solidFill>
-                  <a:schemeClr val="tx1">
-                    <a:tint val="75000"/>
-                  </a:schemeClr>
-                </a:solidFill>
-              </a:defRPr>
-            </a:lvl9pPr>
-          </a:lstStyle>
-          <a:p>
-            <a:r>
-              <a:rPr lang="en-US" dirty="0"/>
-              <a:t>Edit Master text styles</a:t>
-            </a:r>
-          </a:p>
-        </p:txBody>
-      </p:sp>
-      <p:sp>
-        <p:nvSpPr>
-          <p:cNvPr id="4" name="Date Placeholder 3"/>
-          <p:cNvSpPr>
-            <a:spLocks noGrp="1"/>
-          </p:cNvSpPr>
-          <p:nvPr>
-            <p:ph type="dt" sz="half" idx="10"/>
-          </p:nvPr>
-        </p:nvSpPr>
-        <p:spPr bwMode="white">
-          <a:ln>
-            <a:headEnd type="none"/>
-            <a:tailEnd type="none"/>
-          </a:ln>
-        </p:spPr>
-        <p:txBody>
-          <a:bodyPr wrap="square"/>
-          <a:lstStyle/>
-          <a:p>
-            <a:fld id="{5455A7CF-DB6C-4325-93B5-8C3F06D80356}" type="datetimeFigureOut">
-              <a:rPr lang="en-US" dirty="0"/>
-              <a:t>12/4/2024</a:t>
-            </a:fld>
-            <a:endParaRPr lang="en-US" dirty="0"/>
-          </a:p>
-        </p:txBody>
-      </p:sp>
-      <p:sp>
-        <p:nvSpPr>
-          <p:cNvPr id="5" name="Footer Placeholder 4"/>
-          <p:cNvSpPr>
-            <a:spLocks noGrp="1"/>
-          </p:cNvSpPr>
-          <p:nvPr>
-            <p:ph type="ftr" sz="quarter" idx="11"/>
-          </p:nvPr>
-        </p:nvSpPr>
-        <p:spPr bwMode="white">
-          <a:ln>
-            <a:headEnd type="none"/>
-            <a:tailEnd type="none"/>
-          </a:ln>
-        </p:spPr>
-        <p:txBody>
-          <a:bodyPr wrap="square"/>
-          <a:lstStyle/>
-          <a:p>
-            <a:endParaRPr lang="en-US" dirty="0"/>
-          </a:p>
-        </p:txBody>
-      </p:sp>
-      <p:sp>
-        <p:nvSpPr>
-          <p:cNvPr id="6" name="Slide Number Placeholder 5"/>
-          <p:cNvSpPr>
-            <a:spLocks noGrp="1"/>
-          </p:cNvSpPr>
-          <p:nvPr>
-            <p:ph type="sldNum" sz="quarter" idx="12"/>
-          </p:nvPr>
-        </p:nvSpPr>
-        <p:spPr bwMode="white">
-          <a:ln>
-            <a:headEnd type="none"/>
-            <a:tailEnd type="none"/>
-          </a:ln>
-        </p:spPr>
-        <p:txBody>
-          <a:bodyPr wrap="square"/>
-          <a:lstStyle/>
-          <a:p>
-            <a:fld id="{24E76E65-7777-4C32-B153-6028045D6BD3}" type="slidenum">
-              <a:rPr lang="en-US" dirty="0"/>
-              <a:t>‹#›</a:t>
-            </a:fld>
-            <a:endParaRPr lang="en-US" dirty="0"/>
-          </a:p>
-        </p:txBody>
-      </p:sp>
-    </p:spTree>
-  </p:cSld>
-  <p:clrMapOvr>
-    <a:masterClrMapping/>
-  </p:clrMapOvr>
-</p:sldLayout>
-</file>
-
-<file path=ppt/slideLayouts/slideLayout4.xml><?xml version="1.0" encoding="utf-8"?>
-<p:sldLayout xmlns:a="http://schemas.openxmlformats.org/drawingml/2006/main" xmlns:r="http://schemas.openxmlformats.org/officeDocument/2006/relationships" xmlns:p="http://schemas.openxmlformats.org/presentationml/2006/main">
   <p:cSld name="Two Content">
     <p:spTree>
       <p:nvGrpSpPr>
@@ -1403,7 +953,7 @@
 </p:sldLayout>
 </file>
 
-<file path=ppt/slideLayouts/slideLayout5.xml><?xml version="1.0" encoding="utf-8"?>
+<file path=ppt/slideLayouts/slideLayout4.xml><?xml version="1.0" encoding="utf-8"?>
 <p:sldLayout xmlns:a="http://schemas.openxmlformats.org/drawingml/2006/main" xmlns:r="http://schemas.openxmlformats.org/officeDocument/2006/relationships" xmlns:p="http://schemas.openxmlformats.org/presentationml/2006/main">
   <p:cSld name="Comparison">
     <p:spTree>
@@ -1793,7 +1343,7 @@
 </p:sldLayout>
 </file>
 
-<file path=ppt/slideLayouts/slideLayout6.xml><?xml version="1.0" encoding="utf-8"?>
+<file path=ppt/slideLayouts/slideLayout5.xml><?xml version="1.0" encoding="utf-8"?>
 <p:sldLayout xmlns:a="http://schemas.openxmlformats.org/drawingml/2006/main" xmlns:r="http://schemas.openxmlformats.org/officeDocument/2006/relationships" xmlns:p="http://schemas.openxmlformats.org/presentationml/2006/main">
   <p:cSld name="Title Only">
     <p:spTree>
@@ -1925,7 +1475,7 @@
 </p:sldLayout>
 </file>
 
-<file path=ppt/slideLayouts/slideLayout7.xml><?xml version="1.0" encoding="utf-8"?>
+<file path=ppt/slideLayouts/slideLayout6.xml><?xml version="1.0" encoding="utf-8"?>
 <p:sldLayout xmlns:a="http://schemas.openxmlformats.org/drawingml/2006/main" xmlns:r="http://schemas.openxmlformats.org/officeDocument/2006/relationships" xmlns:p="http://schemas.openxmlformats.org/presentationml/2006/main">
   <p:cSld name="Blank">
     <p:spTree>
@@ -2030,7 +1580,7 @@
 </p:sldLayout>
 </file>
 
-<file path=ppt/slideLayouts/slideLayout8.xml><?xml version="1.0" encoding="utf-8"?>
+<file path=ppt/slideLayouts/slideLayout7.xml><?xml version="1.0" encoding="utf-8"?>
 <p:sldLayout xmlns:a="http://schemas.openxmlformats.org/drawingml/2006/main" xmlns:r="http://schemas.openxmlformats.org/officeDocument/2006/relationships" xmlns:p="http://schemas.openxmlformats.org/presentationml/2006/main">
   <p:cSld name="Content with Caption">
     <p:spTree>
@@ -2325,7 +1875,7 @@
 </p:sldLayout>
 </file>
 
-<file path=ppt/slideLayouts/slideLayout9.xml><?xml version="1.0" encoding="utf-8"?>
+<file path=ppt/slideLayouts/slideLayout8.xml><?xml version="1.0" encoding="utf-8"?>
 <p:sldLayout xmlns:a="http://schemas.openxmlformats.org/drawingml/2006/main" xmlns:r="http://schemas.openxmlformats.org/officeDocument/2006/relationships" xmlns:p="http://schemas.openxmlformats.org/presentationml/2006/main">
   <p:cSld name="Picture with Caption">
     <p:spTree>
@@ -2598,6 +2148,193 @@
 </p:sldLayout>
 </file>
 
+<file path=ppt/slideLayouts/slideLayout9.xml><?xml version="1.0" encoding="utf-8"?>
+<p:sldLayout xmlns:a="http://schemas.openxmlformats.org/drawingml/2006/main" xmlns:r="http://schemas.openxmlformats.org/officeDocument/2006/relationships" xmlns:p="http://schemas.openxmlformats.org/presentationml/2006/main">
+  <p:cSld name="Title and Vertical Text">
+    <p:spTree>
+      <p:nvGrpSpPr>
+        <p:cNvPr id="1" name=""/>
+        <p:cNvGrpSpPr/>
+        <p:nvPr/>
+      </p:nvGrpSpPr>
+      <p:grpSpPr>
+        <a:xfrm>
+          <a:off x="0" y="0"/>
+          <a:ext cx="0" cy="0"/>
+          <a:chOff x="0" y="0"/>
+          <a:chExt cx="0" cy="0"/>
+        </a:xfrm>
+      </p:grpSpPr>
+      <p:sp>
+        <p:nvSpPr>
+          <p:cNvPr id="2" name="Title 1"/>
+          <p:cNvSpPr>
+            <a:spLocks noGrp="1"/>
+          </p:cNvSpPr>
+          <p:nvPr>
+            <p:ph type="title"/>
+          </p:nvPr>
+        </p:nvSpPr>
+        <p:spPr bwMode="white">
+          <a:ln>
+            <a:headEnd type="none"/>
+            <a:tailEnd type="none"/>
+          </a:ln>
+        </p:spPr>
+        <p:txBody>
+          <a:bodyPr wrap="square"/>
+          <a:lstStyle/>
+          <a:p>
+            <a:r>
+              <a:rPr lang="en-US" dirty="0"/>
+              <a:t>Click to edit Master title style</a:t>
+            </a:r>
+          </a:p>
+        </p:txBody>
+      </p:sp>
+      <p:sp>
+        <p:nvSpPr>
+          <p:cNvPr id="3" name="Vertical Text Placeholder 2"/>
+          <p:cNvSpPr>
+            <a:spLocks noGrp="1"/>
+          </p:cNvSpPr>
+          <p:nvPr>
+            <p:ph type="body" orient="vert" idx="1"/>
+          </p:nvPr>
+        </p:nvSpPr>
+        <p:spPr bwMode="white">
+          <a:ln>
+            <a:headEnd type="none"/>
+            <a:tailEnd type="none"/>
+          </a:ln>
+        </p:spPr>
+        <p:txBody>
+          <a:bodyPr vert="eaVert" wrap="square"/>
+          <a:lstStyle/>
+          <a:p>
+            <a:r>
+              <a:rPr lang="en-US" dirty="0"/>
+              <a:t>Edit Master text styles</a:t>
+            </a:r>
+          </a:p>
+          <a:p>
+            <a:pPr lvl="1"/>
+            <a:r>
+              <a:rPr lang="en-US" dirty="0"/>
+              <a:t>Second level</a:t>
+            </a:r>
+          </a:p>
+          <a:p>
+            <a:pPr lvl="2"/>
+            <a:r>
+              <a:rPr lang="en-US" dirty="0"/>
+              <a:t>Third level</a:t>
+            </a:r>
+          </a:p>
+          <a:p>
+            <a:pPr lvl="3"/>
+            <a:r>
+              <a:rPr lang="en-US" dirty="0"/>
+              <a:t>Fourth level</a:t>
+            </a:r>
+          </a:p>
+          <a:p>
+            <a:pPr lvl="4"/>
+            <a:r>
+              <a:rPr lang="en-US" dirty="0"/>
+              <a:t>Fifth level</a:t>
+            </a:r>
+          </a:p>
+        </p:txBody>
+      </p:sp>
+      <p:sp>
+        <p:nvSpPr>
+          <p:cNvPr id="4" name="Date Placeholder 3"/>
+          <p:cNvSpPr>
+            <a:spLocks noGrp="1"/>
+          </p:cNvSpPr>
+          <p:nvPr>
+            <p:ph type="dt" sz="half" idx="10"/>
+          </p:nvPr>
+        </p:nvSpPr>
+        <p:spPr bwMode="white">
+          <a:ln>
+            <a:headEnd type="none"/>
+            <a:tailEnd type="none"/>
+          </a:ln>
+        </p:spPr>
+        <p:txBody>
+          <a:bodyPr wrap="square"/>
+          <a:lstStyle/>
+          <a:p>
+            <a:fld id="{5455A7CF-DB6C-4325-93B5-8C3F06D80356}" type="datetimeFigureOut">
+              <a:rPr lang="en-US" dirty="0"/>
+              <a:t>12/4/2024</a:t>
+            </a:fld>
+            <a:endParaRPr lang="en-US" dirty="0"/>
+          </a:p>
+        </p:txBody>
+      </p:sp>
+      <p:sp>
+        <p:nvSpPr>
+          <p:cNvPr id="5" name="Footer Placeholder 4"/>
+          <p:cNvSpPr>
+            <a:spLocks noGrp="1"/>
+          </p:cNvSpPr>
+          <p:nvPr>
+            <p:ph type="ftr" sz="quarter" idx="11"/>
+          </p:nvPr>
+        </p:nvSpPr>
+        <p:spPr bwMode="white">
+          <a:ln>
+            <a:headEnd type="none"/>
+            <a:tailEnd type="none"/>
+          </a:ln>
+        </p:spPr>
+        <p:txBody>
+          <a:bodyPr wrap="square"/>
+          <a:lstStyle/>
+          <a:p>
+            <a:endParaRPr lang="en-US" dirty="0"/>
+          </a:p>
+        </p:txBody>
+      </p:sp>
+      <p:sp>
+        <p:nvSpPr>
+          <p:cNvPr id="6" name="Slide Number Placeholder 5"/>
+          <p:cNvSpPr>
+            <a:spLocks noGrp="1"/>
+          </p:cNvSpPr>
+          <p:nvPr>
+            <p:ph type="sldNum" sz="quarter" idx="12"/>
+          </p:nvPr>
+        </p:nvSpPr>
+        <p:spPr bwMode="white">
+          <a:ln>
+            <a:headEnd type="none"/>
+            <a:tailEnd type="none"/>
+          </a:ln>
+        </p:spPr>
+        <p:txBody>
+          <a:bodyPr wrap="square"/>
+          <a:lstStyle/>
+          <a:p>
+            <a:fld id="{24E76E65-7777-4C32-B153-6028045D6BD3}" type="slidenum">
+              <a:rPr lang="en-US" dirty="0"/>
+              <a:t>‹#›</a:t>
+            </a:fld>
+            <a:endParaRPr lang="en-US" dirty="0"/>
+          </a:p>
+        </p:txBody>
+      </p:sp>
+    </p:spTree>
+  </p:cSld>
+  <p:clrMapOvr>
+    <a:masterClrMapping/>
+  </p:clrMapOvr>
+</p:sldLayout>
+</file>
+
 <file path=ppt/slideMasters/slideMaster1.xml><?xml version="1.0" encoding="utf-8"?>
 <p:sldMaster xmlns:a="http://schemas.openxmlformats.org/drawingml/2006/main" xmlns:r="http://schemas.openxmlformats.org/officeDocument/2006/relationships" xmlns:p="http://schemas.openxmlformats.org/presentationml/2006/main">
   <p:cSld>
@@ -2908,15 +2645,14 @@
   <p:sldLayoutIdLst>
     <p:sldLayoutId id="2147483649" r:id="rId1"/>
     <p:sldLayoutId id="2147483650" r:id="rId2"/>
-    <p:sldLayoutId id="2147483651" r:id="rId3"/>
-    <p:sldLayoutId id="2147483652" r:id="rId4"/>
-    <p:sldLayoutId id="2147483653" r:id="rId5"/>
-    <p:sldLayoutId id="2147483654" r:id="rId6"/>
-    <p:sldLayoutId id="2147483655" r:id="rId7"/>
-    <p:sldLayoutId id="2147483656" r:id="rId8"/>
-    <p:sldLayoutId id="2147483657" r:id="rId9"/>
-    <p:sldLayoutId id="2147483658" r:id="rId10"/>
-    <p:sldLayoutId id="2147483659" r:id="rId11"/>
+    <p:sldLayoutId id="2147483652" r:id="rId3"/>
+    <p:sldLayoutId id="2147483653" r:id="rId4"/>
+    <p:sldLayoutId id="2147483654" r:id="rId5"/>
+    <p:sldLayoutId id="2147483655" r:id="rId6"/>
+    <p:sldLayoutId id="2147483656" r:id="rId7"/>
+    <p:sldLayoutId id="2147483657" r:id="rId8"/>
+    <p:sldLayoutId id="2147483658" r:id="rId9"/>
+    <p:sldLayoutId id="2147483659" r:id="rId10"/>
   </p:sldLayoutIdLst>
   <p:txStyles>
     <p:titleStyle>
@@ -3240,12 +2976,12 @@
           <a:p>
             <a:pPr algn="ctr" defTabSz="914400"/>
             <a:r>
-              <a:rPr dirty="0">
+              <a:rPr lang="en-US" sz="4400" b="1" dirty="0">
                 <a:latin typeface="Arial Unicode MS" panose="020B0604020202020204" pitchFamily="34" charset="-128"/>
                 <a:ea typeface="Arial Unicode MS" panose="020B0604020202020204" pitchFamily="34" charset="-128"/>
                 <a:cs typeface="Arial Unicode MS" panose="020B0604020202020204" pitchFamily="34" charset="-128"/>
               </a:rPr>
-              <a:t>Company History</a:t>
+              <a:t>Adventure Works Cycles</a:t>
             </a:r>
           </a:p>
         </p:txBody>
@@ -3279,29 +3015,18 @@
           <a:p>
             <a:pPr defTabSz="914400"/>
             <a:r>
-              <a:rPr dirty="0">
-                <a:latin typeface="Arial Unicode MS" panose="020B0604020202020204" pitchFamily="34" charset="-128"/>
-                <a:ea typeface="Arial Unicode MS" panose="020B0604020202020204" pitchFamily="34" charset="-128"/>
-                <a:cs typeface="Arial Unicode MS" panose="020B0604020202020204" pitchFamily="34" charset="-128"/>
-              </a:rPr>
-              <a:t>IMN Solutions PVT LTD is the software company, established in 1987, by George Milton. The company has been listed as the trusted partner for many high-profile organizations since 1988 and got awards for quality product</a:t>
-            </a:r>
-            <a:r>
               <a:rPr lang="en-US" dirty="0">
                 <a:latin typeface="Arial Unicode MS" panose="020B0604020202020204" pitchFamily="34" charset="-128"/>
                 <a:ea typeface="Arial Unicode MS" panose="020B0604020202020204" pitchFamily="34" charset="-128"/>
                 <a:cs typeface="Arial Unicode MS" panose="020B0604020202020204" pitchFamily="34" charset="-128"/>
               </a:rPr>
-              <a:t>ion</a:t>
-            </a:r>
-            <a:r>
-              <a:rPr dirty="0">
-                <a:latin typeface="Arial Unicode MS" panose="020B0604020202020204" pitchFamily="34" charset="-128"/>
-                <a:ea typeface="Arial Unicode MS" panose="020B0604020202020204" pitchFamily="34" charset="-128"/>
-                <a:cs typeface="Arial Unicode MS" panose="020B0604020202020204" pitchFamily="34" charset="-128"/>
-              </a:rPr>
-              <a:t> from reputed organizations.</a:t>
-            </a:r>
+              <a:t>Adventure Works Cycles, the fictitious company on which the Adventure Works sample databases are based, is a large, multinational manufacturing company. The company manufactures and sells metal and composite bicycles to North American, European and Asian commercial markets.</a:t>
+            </a:r>
+            <a:endParaRPr dirty="0">
+              <a:latin typeface="Arial Unicode MS" panose="020B0604020202020204" pitchFamily="34" charset="-128"/>
+              <a:ea typeface="Arial Unicode MS" panose="020B0604020202020204" pitchFamily="34" charset="-128"/>
+              <a:cs typeface="Arial Unicode MS" panose="020B0604020202020204" pitchFamily="34" charset="-128"/>
+            </a:endParaRPr>
           </a:p>
         </p:txBody>
       </p:sp>
@@ -3315,8 +3040,8 @@
         </p:nvSpPr>
         <p:spPr bwMode="white">
           <a:xfrm>
-            <a:off x="675894" y="3429000"/>
-            <a:ext cx="5561330" cy="1477264"/>
+            <a:off x="665670" y="3168461"/>
+            <a:ext cx="5561330" cy="1754326"/>
           </a:xfrm>
           <a:prstGeom prst="rect">
             <a:avLst/>
@@ -3335,77 +3060,54 @@
             <a:pPr marL="444500" indent="-444500" defTabSz="914400">
               <a:buAutoNum type="arabicPeriod"/>
             </a:pPr>
-            <a:r>
-              <a:rPr dirty="0">
-                <a:latin typeface="Arial Unicode MS" panose="020B0604020202020204" pitchFamily="34" charset="-128"/>
-                <a:ea typeface="Arial Unicode MS" panose="020B0604020202020204" pitchFamily="34" charset="-128"/>
-                <a:cs typeface="Arial Unicode MS" panose="020B0604020202020204" pitchFamily="34" charset="-128"/>
-              </a:rPr>
-              <a:t>The company </a:t>
-            </a:r>
             <a:r>
               <a:rPr lang="en-US" dirty="0">
                 <a:latin typeface="Arial Unicode MS" panose="020B0604020202020204" pitchFamily="34" charset="-128"/>
                 <a:ea typeface="Arial Unicode MS" panose="020B0604020202020204" pitchFamily="34" charset="-128"/>
                 <a:cs typeface="Arial Unicode MS" panose="020B0604020202020204" pitchFamily="34" charset="-128"/>
               </a:rPr>
-              <a:t>product </a:t>
-            </a:r>
-            <a:r>
-              <a:rPr dirty="0">
+              <a:t>In 2000, Adventure Works Cycles bought a small manufacturing plant, </a:t>
+            </a:r>
+            <a:r>
+              <a:rPr lang="en-US" dirty="0" err="1">
                 <a:latin typeface="Arial Unicode MS" panose="020B0604020202020204" pitchFamily="34" charset="-128"/>
                 <a:ea typeface="Arial Unicode MS" panose="020B0604020202020204" pitchFamily="34" charset="-128"/>
                 <a:cs typeface="Arial Unicode MS" panose="020B0604020202020204" pitchFamily="34" charset="-128"/>
               </a:rPr>
-              <a:t>acquired the MCY corporation for 20 billion dollars and became the top revenue maker for the year 2015.</a:t>
-            </a:r>
-          </a:p>
-          <a:p>
-            <a:pPr marL="444500" indent="-444500" defTabSz="914400">
-              <a:buAutoNum type="arabicPeriod"/>
-            </a:pPr>
-            <a:r>
-              <a:rPr dirty="0">
+              <a:t>Importadores</a:t>
+            </a:r>
+            <a:r>
+              <a:rPr lang="en-US" dirty="0">
                 <a:latin typeface="Arial Unicode MS" panose="020B0604020202020204" pitchFamily="34" charset="-128"/>
                 <a:ea typeface="Arial Unicode MS" panose="020B0604020202020204" pitchFamily="34" charset="-128"/>
                 <a:cs typeface="Arial Unicode MS" panose="020B0604020202020204" pitchFamily="34" charset="-128"/>
               </a:rPr>
-              <a:t>The company is participating in top open source projects in automation industry.</a:t>
-            </a:r>
-          </a:p>
-        </p:txBody>
-      </p:sp>
-      <p:pic>
-        <p:nvPicPr>
-          <p:cNvPr id="5" name="Picture 5"/>
-          <p:cNvPicPr>
-            <a:picLocks noChangeAspect="1"/>
-          </p:cNvPicPr>
-          <p:nvPr/>
-        </p:nvPicPr>
-        <p:blipFill>
-          <a:blip r:embed="rId2">
-            <a:lum/>
-          </a:blip>
-          <a:srcRect/>
-          <a:stretch>
-            <a:fillRect/>
-          </a:stretch>
-        </p:blipFill>
-        <p:spPr bwMode="white">
-          <a:xfrm>
-            <a:off x="6347333" y="3030093"/>
-            <a:ext cx="4629658" cy="2440432"/>
-          </a:xfrm>
-          <a:prstGeom prst="rect">
-            <a:avLst/>
-          </a:prstGeom>
-          <a:ln>
-            <a:headEnd type="none"/>
-            <a:tailEnd type="none"/>
-          </a:ln>
-        </p:spPr>
-      </p:pic>
+              <a:t> Neptuno, located in Mexico.</a:t>
+            </a:r>
+          </a:p>
+          <a:p>
+            <a:pPr marL="444500" indent="-444500" defTabSz="914400">
+              <a:buAutoNum type="arabicPeriod"/>
+            </a:pPr>
+            <a:r>
+              <a:rPr lang="en-US" dirty="0" err="1">
+                <a:latin typeface="Arial Unicode MS" panose="020B0604020202020204" pitchFamily="34" charset="-128"/>
+                <a:ea typeface="Arial Unicode MS" panose="020B0604020202020204" pitchFamily="34" charset="-128"/>
+                <a:cs typeface="Arial Unicode MS" panose="020B0604020202020204" pitchFamily="34" charset="-128"/>
+              </a:rPr>
+              <a:t>Importadores</a:t>
+            </a:r>
+            <a:r>
+              <a:rPr lang="en-US" dirty="0">
+                <a:latin typeface="Arial Unicode MS" panose="020B0604020202020204" pitchFamily="34" charset="-128"/>
+                <a:ea typeface="Arial Unicode MS" panose="020B0604020202020204" pitchFamily="34" charset="-128"/>
+                <a:cs typeface="Arial Unicode MS" panose="020B0604020202020204" pitchFamily="34" charset="-128"/>
+              </a:rPr>
+              <a:t> Neptuno manufactures several critical subcomponents for the Adventure Works Cycles product line.</a:t>
+            </a:r>
+          </a:p>
+        </p:txBody>
+      </p:sp>
       <p:sp>
         <p:nvSpPr>
           <p:cNvPr id="6" name="Explosion16"/>
@@ -3450,16 +3152,57 @@
           <a:p>
             <a:pPr algn="ctr" defTabSz="914400"/>
             <a:r>
-              <a:rPr dirty="0">
+              <a:rPr lang="en-US" sz="1600" dirty="0">
                 <a:latin typeface="Arial Unicode MS" panose="020B0604020202020204" pitchFamily="34" charset="-128"/>
                 <a:ea typeface="Arial Unicode MS" panose="020B0604020202020204" pitchFamily="34" charset="-128"/>
                 <a:cs typeface="Arial Unicode MS" panose="020B0604020202020204" pitchFamily="34" charset="-128"/>
               </a:rPr>
-              <a:t>IMN</a:t>
-            </a:r>
-          </a:p>
-        </p:txBody>
-      </p:sp>
+              <a:t>Cycle</a:t>
+            </a:r>
+            <a:endParaRPr sz="1600" dirty="0">
+              <a:latin typeface="Arial Unicode MS" panose="020B0604020202020204" pitchFamily="34" charset="-128"/>
+              <a:ea typeface="Arial Unicode MS" panose="020B0604020202020204" pitchFamily="34" charset="-128"/>
+              <a:cs typeface="Arial Unicode MS" panose="020B0604020202020204" pitchFamily="34" charset="-128"/>
+            </a:endParaRPr>
+          </a:p>
+        </p:txBody>
+      </p:sp>
+      <p:pic>
+        <p:nvPicPr>
+          <p:cNvPr id="8" name="Picture 7" descr="A logo for a bicycle company&#10;&#10;Description automatically generated">
+            <a:extLst>
+              <a:ext uri="{FF2B5EF4-FFF2-40B4-BE49-F238E27FC236}">
+                <a16:creationId xmlns:a16="http://schemas.microsoft.com/office/drawing/2014/main" id="{7D528FB7-9299-621A-DD22-05EC4B5579B7}"/>
+              </a:ext>
+            </a:extLst>
+          </p:cNvPr>
+          <p:cNvPicPr>
+            <a:picLocks noChangeAspect="1"/>
+          </p:cNvPicPr>
+          <p:nvPr/>
+        </p:nvPicPr>
+        <p:blipFill>
+          <a:blip r:embed="rId2">
+            <a:extLst>
+              <a:ext uri="{28A0092B-C50C-407E-A947-70E740481C1C}">
+                <a14:useLocalDpi xmlns:a14="http://schemas.microsoft.com/office/drawing/2010/main" val="0"/>
+              </a:ext>
+            </a:extLst>
+          </a:blip>
+          <a:stretch>
+            <a:fillRect/>
+          </a:stretch>
+        </p:blipFill>
+        <p:spPr>
+          <a:xfrm>
+            <a:off x="6801492" y="3310544"/>
+            <a:ext cx="4552308" cy="1470161"/>
+          </a:xfrm>
+          <a:prstGeom prst="rect">
+            <a:avLst/>
+          </a:prstGeom>
+        </p:spPr>
+      </p:pic>
     </p:spTree>
   </p:cSld>
   <p:clrMapOvr>
@@ -3497,167 +3240,6 @@
         </p:nvSpPr>
         <p:spPr bwMode="white">
           <a:xfrm>
-            <a:off x="704088" y="292608"/>
-            <a:ext cx="7278624" cy="905256"/>
-          </a:xfrm>
-          <a:ln>
-            <a:headEnd type="none"/>
-            <a:tailEnd type="none"/>
-          </a:ln>
-        </p:spPr>
-        <p:txBody>
-          <a:bodyPr wrap="square"/>
-          <a:lstStyle/>
-          <a:p>
-            <a:pPr algn="l" defTabSz="914400"/>
-            <a:r>
-              <a:rPr lang="en-US" sz="4000" dirty="0">
-                <a:latin typeface="Arial Unicode MS" panose="020B0604020202020204" pitchFamily="34" charset="-128"/>
-                <a:ea typeface="Arial Unicode MS" panose="020B0604020202020204" pitchFamily="34" charset="-128"/>
-                <a:cs typeface="Arial Unicode MS" panose="020B0604020202020204" pitchFamily="34" charset="-128"/>
-              </a:rPr>
-              <a:t>Product Overview</a:t>
-            </a:r>
-            <a:endParaRPr sz="4000" dirty="0">
-              <a:latin typeface="Arial Unicode MS" panose="020B0604020202020204" pitchFamily="34" charset="-128"/>
-              <a:ea typeface="Arial Unicode MS" panose="020B0604020202020204" pitchFamily="34" charset="-128"/>
-              <a:cs typeface="Arial Unicode MS" panose="020B0604020202020204" pitchFamily="34" charset="-128"/>
-            </a:endParaRPr>
-          </a:p>
-        </p:txBody>
-      </p:sp>
-      <p:sp>
-        <p:nvSpPr>
-          <p:cNvPr id="3" name="Text Placeholder 2"/>
-          <p:cNvSpPr>
-            <a:spLocks noGrp="1"/>
-          </p:cNvSpPr>
-          <p:nvPr>
-            <p:ph type="body" idx="1"/>
-          </p:nvPr>
-        </p:nvSpPr>
-        <p:spPr bwMode="white">
-          <a:xfrm>
-            <a:off x="1106424" y="1517904"/>
-            <a:ext cx="9217152" cy="4507992"/>
-          </a:xfrm>
-          <a:ln>
-            <a:headEnd type="none"/>
-            <a:tailEnd type="none"/>
-          </a:ln>
-        </p:spPr>
-        <p:txBody>
-          <a:bodyPr wrap="square">
-            <a:normAutofit/>
-          </a:bodyPr>
-          <a:lstStyle/>
-          <a:p>
-            <a:pPr marL="285750" indent="-285750" algn="l" defTabSz="914400">
-              <a:buFont typeface="Arial"/>
-              <a:buChar char="•"/>
-            </a:pPr>
-            <a:r>
-              <a:rPr lang="en-US" sz="1800" dirty="0">
-                <a:solidFill>
-                  <a:srgbClr val="000000"/>
-                </a:solidFill>
-                <a:latin typeface="Arial Unicode MS" panose="020B0604020202020204" pitchFamily="34" charset="-128"/>
-                <a:ea typeface="Arial Unicode MS" panose="020B0604020202020204" pitchFamily="34" charset="-128"/>
-                <a:cs typeface="Arial Unicode MS" panose="020B0604020202020204" pitchFamily="34" charset="-128"/>
-              </a:rPr>
-              <a:t>Adventure Works Cycles, the fictitious company on which the Adventure Works sample databases are based, is a large, multinational manufacturing company. </a:t>
-            </a:r>
-          </a:p>
-          <a:p>
-            <a:pPr marL="285750" indent="-285750" algn="l" defTabSz="914400">
-              <a:buFont typeface="Arial"/>
-              <a:buChar char="•"/>
-            </a:pPr>
-            <a:r>
-              <a:rPr lang="en-US" sz="1800" dirty="0">
-                <a:solidFill>
-                  <a:srgbClr val="000000"/>
-                </a:solidFill>
-                <a:latin typeface="Arial Unicode MS" panose="020B0604020202020204" pitchFamily="34" charset="-128"/>
-                <a:ea typeface="Arial Unicode MS" panose="020B0604020202020204" pitchFamily="34" charset="-128"/>
-                <a:cs typeface="Arial Unicode MS" panose="020B0604020202020204" pitchFamily="34" charset="-128"/>
-              </a:rPr>
-              <a:t>The company manufactures and sells metal and composite bicycles to North American, European and Asian commercial markets. While its base operation is located in Bothell, Washington with 290 employees, several regional sales teams are located throughout their market base.</a:t>
-            </a:r>
-          </a:p>
-          <a:p>
-            <a:pPr marL="285750" indent="-285750" algn="l" defTabSz="914400">
-              <a:buFont typeface="Arial"/>
-              <a:buChar char="•"/>
-            </a:pPr>
-            <a:r>
-              <a:rPr lang="en-US" sz="1800" dirty="0">
-                <a:solidFill>
-                  <a:srgbClr val="000000"/>
-                </a:solidFill>
-                <a:latin typeface="Arial Unicode MS" panose="020B0604020202020204" pitchFamily="34" charset="-128"/>
-                <a:ea typeface="Arial Unicode MS" panose="020B0604020202020204" pitchFamily="34" charset="-128"/>
-                <a:cs typeface="Arial Unicode MS" panose="020B0604020202020204" pitchFamily="34" charset="-128"/>
-              </a:rPr>
-              <a:t>In 2000, Adventure Works Cycles bought a small manufacturing plant, Importadores Neptuno, located in Mexico. Importadores Neptuno manufactures several critical subcomponents for the Adventure Works Cycles production line. </a:t>
-            </a:r>
-          </a:p>
-          <a:p>
-            <a:pPr marL="285750" indent="-285750" algn="l" defTabSz="914400">
-              <a:buFont typeface="Arial"/>
-              <a:buChar char="•"/>
-            </a:pPr>
-            <a:r>
-              <a:rPr lang="en-US" sz="1800" dirty="0">
-                <a:solidFill>
-                  <a:srgbClr val="000000"/>
-                </a:solidFill>
-                <a:latin typeface="Arial Unicode MS" panose="020B0604020202020204" pitchFamily="34" charset="-128"/>
-                <a:ea typeface="Arial Unicode MS" panose="020B0604020202020204" pitchFamily="34" charset="-128"/>
-                <a:cs typeface="Arial Unicode MS" panose="020B0604020202020204" pitchFamily="34" charset="-128"/>
-              </a:rPr>
-              <a:t>These subcomponents are shipped to the Bothell location for final product assembly. In 2001, Importadores Neptuno, became the sole manufacturer and distributor of the touring bicycle productivity group.</a:t>
-            </a:r>
-          </a:p>
-        </p:txBody>
-      </p:sp>
-    </p:spTree>
-  </p:cSld>
-  <p:clrMapOvr>
-    <a:masterClrMapping/>
-  </p:clrMapOvr>
-</p:sld>
-</file>
-
-<file path=ppt/slides/slide3.xml><?xml version="1.0" encoding="utf-8"?>
-<p:sld xmlns:a="http://schemas.openxmlformats.org/drawingml/2006/main" xmlns:r="http://schemas.openxmlformats.org/officeDocument/2006/relationships" xmlns:p="http://schemas.openxmlformats.org/presentationml/2006/main">
-  <p:cSld>
-    <p:spTree>
-      <p:nvGrpSpPr>
-        <p:cNvPr id="1" name=""/>
-        <p:cNvGrpSpPr/>
-        <p:nvPr/>
-      </p:nvGrpSpPr>
-      <p:grpSpPr>
-        <a:xfrm>
-          <a:off x="0" y="0"/>
-          <a:ext cx="0" cy="0"/>
-          <a:chOff x="0" y="0"/>
-          <a:chExt cx="0" cy="0"/>
-        </a:xfrm>
-      </p:grpSpPr>
-      <p:sp>
-        <p:nvSpPr>
-          <p:cNvPr id="2" name="Title 1"/>
-          <p:cNvSpPr>
-            <a:spLocks noGrp="1"/>
-          </p:cNvSpPr>
-          <p:nvPr>
-            <p:ph type="title"/>
-          </p:nvPr>
-        </p:nvSpPr>
-        <p:spPr bwMode="white">
-          <a:xfrm>
             <a:off x="1069848" y="0"/>
             <a:ext cx="10058400" cy="1609344"/>
           </a:xfrm>
@@ -3705,7 +3287,7 @@
           <p:nvPr>
             <p:extLst>
               <p:ext uri="{D42A27DB-BD31-4B8C-83A1-F6EECF244321}">
-                <p14:modId xmlns:p14="http://schemas.microsoft.com/office/powerpoint/2010/main" val="2521720917"/>
+                <p14:modId xmlns:p14="http://schemas.microsoft.com/office/powerpoint/2010/main" val="1513672653"/>
               </p:ext>
             </p:extLst>
           </p:nvPr>
